--- a/explain-permissions.pptx
+++ b/explain-permissions.pptx
@@ -12170,7 +12170,7 @@
           <a:p>
             <a:r>
               <a:rPr lang="en-US" dirty="0"/>
-              <a:t>0000 0001</a:t>
+              <a:t>0000 0010</a:t>
             </a:r>
           </a:p>
         </p:txBody>
@@ -14652,7 +14652,7 @@
           <a:p>
             <a:r>
               <a:rPr lang="en-US" dirty="0"/>
-              <a:t>0000 0001</a:t>
+              <a:t>0000 0010</a:t>
             </a:r>
           </a:p>
         </p:txBody>
@@ -17131,7 +17131,7 @@
           <a:p>
             <a:r>
               <a:rPr lang="en-US" dirty="0"/>
-              <a:t>0000 0001</a:t>
+              <a:t>0000 0010</a:t>
             </a:r>
           </a:p>
         </p:txBody>
@@ -19929,7 +19929,7 @@
           <a:p>
             <a:r>
               <a:rPr lang="en-US" dirty="0"/>
-              <a:t>0000 0001</a:t>
+              <a:t>0000 0010</a:t>
             </a:r>
           </a:p>
         </p:txBody>
